--- a/从机器学习小白到入门之路.pptx
+++ b/从机器学习小白到入门之路.pptx
@@ -326,7 +326,7 @@
           <a:p>
             <a:fld id="{0F9D74F2-D1CB-431E-B91D-59622A6F8445}" type="datetimeFigureOut">
               <a:rPr lang="zh-CN" altLang="en-US" smtClean="0"/>
-              <a:t>2017/11/9</a:t>
+              <a:t>2017/11/10</a:t>
             </a:fld>
             <a:endParaRPr lang="zh-CN" altLang="en-US"/>
           </a:p>
@@ -762,7 +762,7 @@
           <a:p>
             <a:fld id="{0F9D74F2-D1CB-431E-B91D-59622A6F8445}" type="datetimeFigureOut">
               <a:rPr lang="zh-CN" altLang="en-US" smtClean="0"/>
-              <a:t>2017/11/9</a:t>
+              <a:t>2017/11/10</a:t>
             </a:fld>
             <a:endParaRPr lang="zh-CN" altLang="en-US"/>
           </a:p>
@@ -1012,7 +1012,7 @@
           <a:p>
             <a:fld id="{0F9D74F2-D1CB-431E-B91D-59622A6F8445}" type="datetimeFigureOut">
               <a:rPr lang="zh-CN" altLang="en-US" smtClean="0"/>
-              <a:t>2017/11/9</a:t>
+              <a:t>2017/11/10</a:t>
             </a:fld>
             <a:endParaRPr lang="zh-CN" altLang="en-US"/>
           </a:p>
@@ -1320,7 +1320,7 @@
           <a:p>
             <a:fld id="{0F9D74F2-D1CB-431E-B91D-59622A6F8445}" type="datetimeFigureOut">
               <a:rPr lang="zh-CN" altLang="en-US" smtClean="0"/>
-              <a:t>2017/11/9</a:t>
+              <a:t>2017/11/10</a:t>
             </a:fld>
             <a:endParaRPr lang="zh-CN" altLang="en-US"/>
           </a:p>
@@ -1638,7 +1638,7 @@
           <a:p>
             <a:fld id="{0F9D74F2-D1CB-431E-B91D-59622A6F8445}" type="datetimeFigureOut">
               <a:rPr lang="zh-CN" altLang="en-US" smtClean="0"/>
-              <a:t>2017/11/9</a:t>
+              <a:t>2017/11/10</a:t>
             </a:fld>
             <a:endParaRPr lang="zh-CN" altLang="en-US"/>
           </a:p>
@@ -1940,7 +1940,7 @@
           <a:p>
             <a:fld id="{0F9D74F2-D1CB-431E-B91D-59622A6F8445}" type="datetimeFigureOut">
               <a:rPr lang="zh-CN" altLang="en-US" smtClean="0"/>
-              <a:t>2017/11/9</a:t>
+              <a:t>2017/11/10</a:t>
             </a:fld>
             <a:endParaRPr lang="zh-CN" altLang="en-US"/>
           </a:p>
@@ -2307,7 +2307,7 @@
           <a:p>
             <a:fld id="{0F9D74F2-D1CB-431E-B91D-59622A6F8445}" type="datetimeFigureOut">
               <a:rPr lang="zh-CN" altLang="en-US" smtClean="0"/>
-              <a:t>2017/11/9</a:t>
+              <a:t>2017/11/10</a:t>
             </a:fld>
             <a:endParaRPr lang="zh-CN" altLang="en-US"/>
           </a:p>
@@ -2481,7 +2481,7 @@
           <a:p>
             <a:fld id="{0F9D74F2-D1CB-431E-B91D-59622A6F8445}" type="datetimeFigureOut">
               <a:rPr lang="zh-CN" altLang="en-US" smtClean="0"/>
-              <a:t>2017/11/9</a:t>
+              <a:t>2017/11/10</a:t>
             </a:fld>
             <a:endParaRPr lang="zh-CN" altLang="en-US"/>
           </a:p>
@@ -2661,7 +2661,7 @@
           <a:p>
             <a:fld id="{0F9D74F2-D1CB-431E-B91D-59622A6F8445}" type="datetimeFigureOut">
               <a:rPr lang="zh-CN" altLang="en-US" smtClean="0"/>
-              <a:t>2017/11/9</a:t>
+              <a:t>2017/11/10</a:t>
             </a:fld>
             <a:endParaRPr lang="zh-CN" altLang="en-US"/>
           </a:p>
@@ -2831,7 +2831,7 @@
           <a:p>
             <a:fld id="{0F9D74F2-D1CB-431E-B91D-59622A6F8445}" type="datetimeFigureOut">
               <a:rPr lang="zh-CN" altLang="en-US" smtClean="0"/>
-              <a:t>2017/11/9</a:t>
+              <a:t>2017/11/10</a:t>
             </a:fld>
             <a:endParaRPr lang="zh-CN" altLang="en-US"/>
           </a:p>
@@ -3081,7 +3081,7 @@
           <a:p>
             <a:fld id="{0F9D74F2-D1CB-431E-B91D-59622A6F8445}" type="datetimeFigureOut">
               <a:rPr lang="zh-CN" altLang="en-US" smtClean="0"/>
-              <a:t>2017/11/9</a:t>
+              <a:t>2017/11/10</a:t>
             </a:fld>
             <a:endParaRPr lang="zh-CN" altLang="en-US"/>
           </a:p>
@@ -3317,7 +3317,7 @@
           <a:p>
             <a:fld id="{0F9D74F2-D1CB-431E-B91D-59622A6F8445}" type="datetimeFigureOut">
               <a:rPr lang="zh-CN" altLang="en-US" smtClean="0"/>
-              <a:t>2017/11/9</a:t>
+              <a:t>2017/11/10</a:t>
             </a:fld>
             <a:endParaRPr lang="zh-CN" altLang="en-US"/>
           </a:p>
@@ -3699,7 +3699,7 @@
           <a:p>
             <a:fld id="{0F9D74F2-D1CB-431E-B91D-59622A6F8445}" type="datetimeFigureOut">
               <a:rPr lang="zh-CN" altLang="en-US" smtClean="0"/>
-              <a:t>2017/11/9</a:t>
+              <a:t>2017/11/10</a:t>
             </a:fld>
             <a:endParaRPr lang="zh-CN" altLang="en-US"/>
           </a:p>
@@ -3817,7 +3817,7 @@
           <a:p>
             <a:fld id="{0F9D74F2-D1CB-431E-B91D-59622A6F8445}" type="datetimeFigureOut">
               <a:rPr lang="zh-CN" altLang="en-US" smtClean="0"/>
-              <a:t>2017/11/9</a:t>
+              <a:t>2017/11/10</a:t>
             </a:fld>
             <a:endParaRPr lang="zh-CN" altLang="en-US"/>
           </a:p>
@@ -3912,7 +3912,7 @@
           <a:p>
             <a:fld id="{0F9D74F2-D1CB-431E-B91D-59622A6F8445}" type="datetimeFigureOut">
               <a:rPr lang="zh-CN" altLang="en-US" smtClean="0"/>
-              <a:t>2017/11/9</a:t>
+              <a:t>2017/11/10</a:t>
             </a:fld>
             <a:endParaRPr lang="zh-CN" altLang="en-US"/>
           </a:p>
@@ -4167,7 +4167,7 @@
           <a:p>
             <a:fld id="{0F9D74F2-D1CB-431E-B91D-59622A6F8445}" type="datetimeFigureOut">
               <a:rPr lang="zh-CN" altLang="en-US" smtClean="0"/>
-              <a:t>2017/11/9</a:t>
+              <a:t>2017/11/10</a:t>
             </a:fld>
             <a:endParaRPr lang="zh-CN" altLang="en-US"/>
           </a:p>
@@ -4450,7 +4450,7 @@
           <a:p>
             <a:fld id="{0F9D74F2-D1CB-431E-B91D-59622A6F8445}" type="datetimeFigureOut">
               <a:rPr lang="zh-CN" altLang="en-US" smtClean="0"/>
-              <a:t>2017/11/9</a:t>
+              <a:t>2017/11/10</a:t>
             </a:fld>
             <a:endParaRPr lang="zh-CN" altLang="en-US"/>
           </a:p>
@@ -4856,7 +4856,7 @@
           <a:p>
             <a:fld id="{0F9D74F2-D1CB-431E-B91D-59622A6F8445}" type="datetimeFigureOut">
               <a:rPr lang="zh-CN" altLang="en-US" smtClean="0"/>
-              <a:t>2017/11/9</a:t>
+              <a:t>2017/11/10</a:t>
             </a:fld>
             <a:endParaRPr lang="zh-CN" altLang="en-US"/>
           </a:p>
@@ -8058,6 +8058,79 @@
                                   </p:childTnLst>
                                 </p:cTn>
                               </p:par>
+                              <p:par>
+                                <p:cTn id="47" presetID="2" presetClass="entr" presetSubtype="4" fill="hold" nodeType="withEffect">
+                                  <p:stCondLst>
+                                    <p:cond delay="0"/>
+                                  </p:stCondLst>
+                                  <p:childTnLst>
+                                    <p:set>
+                                      <p:cBhvr>
+                                        <p:cTn id="48" dur="1" fill="hold">
+                                          <p:stCondLst>
+                                            <p:cond delay="0"/>
+                                          </p:stCondLst>
+                                        </p:cTn>
+                                        <p:tgtEl>
+                                          <p:spTgt spid="41"/>
+                                        </p:tgtEl>
+                                        <p:attrNameLst>
+                                          <p:attrName>style.visibility</p:attrName>
+                                        </p:attrNameLst>
+                                      </p:cBhvr>
+                                      <p:to>
+                                        <p:strVal val="visible"/>
+                                      </p:to>
+                                    </p:set>
+                                    <p:anim calcmode="lin" valueType="num">
+                                      <p:cBhvr additive="base">
+                                        <p:cTn id="49" dur="500" fill="hold"/>
+                                        <p:tgtEl>
+                                          <p:spTgt spid="41"/>
+                                        </p:tgtEl>
+                                        <p:attrNameLst>
+                                          <p:attrName>ppt_x</p:attrName>
+                                        </p:attrNameLst>
+                                      </p:cBhvr>
+                                      <p:tavLst>
+                                        <p:tav tm="0">
+                                          <p:val>
+                                            <p:strVal val="#ppt_x"/>
+                                          </p:val>
+                                        </p:tav>
+                                        <p:tav tm="100000">
+                                          <p:val>
+                                            <p:strVal val="#ppt_x"/>
+                                          </p:val>
+                                        </p:tav>
+                                      </p:tavLst>
+                                    </p:anim>
+                                    <p:anim calcmode="lin" valueType="num">
+                                      <p:cBhvr additive="base">
+                                        <p:cTn id="50" dur="500" fill="hold"/>
+                                        <p:tgtEl>
+                                          <p:spTgt spid="41"/>
+                                        </p:tgtEl>
+                                        <p:attrNameLst>
+                                          <p:attrName>ppt_y</p:attrName>
+                                        </p:attrNameLst>
+                                      </p:cBhvr>
+                                      <p:tavLst>
+                                        <p:tav tm="0">
+                                          <p:val>
+                                            <p:strVal val="1+#ppt_h/2"/>
+                                          </p:val>
+                                        </p:tav>
+                                        <p:tav tm="100000">
+                                          <p:val>
+                                            <p:strVal val="#ppt_y"/>
+                                          </p:val>
+                                        </p:tav>
+                                      </p:tavLst>
+                                    </p:anim>
+                                  </p:childTnLst>
+                                </p:cTn>
+                              </p:par>
                             </p:childTnLst>
                           </p:cTn>
                         </p:par>
@@ -8065,26 +8138,26 @@
                     </p:cTn>
                   </p:par>
                   <p:par>
-                    <p:cTn id="47" fill="hold">
+                    <p:cTn id="51" fill="hold">
                       <p:stCondLst>
                         <p:cond delay="indefinite"/>
                       </p:stCondLst>
                       <p:childTnLst>
                         <p:par>
-                          <p:cTn id="48" fill="hold">
+                          <p:cTn id="52" fill="hold">
                             <p:stCondLst>
                               <p:cond delay="0"/>
                             </p:stCondLst>
                             <p:childTnLst>
                               <p:par>
-                                <p:cTn id="49" presetID="2" presetClass="entr" presetSubtype="4" fill="hold" grpId="0" nodeType="clickEffect">
+                                <p:cTn id="53" presetID="2" presetClass="entr" presetSubtype="4" fill="hold" grpId="0" nodeType="clickEffect">
                                   <p:stCondLst>
                                     <p:cond delay="0"/>
                                   </p:stCondLst>
                                   <p:childTnLst>
                                     <p:set>
                                       <p:cBhvr>
-                                        <p:cTn id="50" dur="1" fill="hold">
+                                        <p:cTn id="54" dur="1" fill="hold">
                                           <p:stCondLst>
                                             <p:cond delay="0"/>
                                           </p:stCondLst>
@@ -8102,7 +8175,7 @@
                                     </p:set>
                                     <p:anim calcmode="lin" valueType="num">
                                       <p:cBhvr additive="base">
-                                        <p:cTn id="51" dur="500" fill="hold"/>
+                                        <p:cTn id="55" dur="500" fill="hold"/>
                                         <p:tgtEl>
                                           <p:spTgt spid="39"/>
                                         </p:tgtEl>
@@ -8125,7 +8198,7 @@
                                     </p:anim>
                                     <p:anim calcmode="lin" valueType="num">
                                       <p:cBhvr additive="base">
-                                        <p:cTn id="52" dur="500" fill="hold"/>
+                                        <p:cTn id="56" dur="500" fill="hold"/>
                                         <p:tgtEl>
                                           <p:spTgt spid="39"/>
                                         </p:tgtEl>
@@ -8150,14 +8223,14 @@
                                 </p:cTn>
                               </p:par>
                               <p:par>
-                                <p:cTn id="53" presetID="2" presetClass="entr" presetSubtype="4" fill="hold" nodeType="withEffect">
+                                <p:cTn id="57" presetID="2" presetClass="entr" presetSubtype="4" fill="hold" nodeType="withEffect">
                                   <p:stCondLst>
                                     <p:cond delay="0"/>
                                   </p:stCondLst>
                                   <p:childTnLst>
                                     <p:set>
                                       <p:cBhvr>
-                                        <p:cTn id="54" dur="1" fill="hold">
+                                        <p:cTn id="58" dur="1" fill="hold">
                                           <p:stCondLst>
                                             <p:cond delay="0"/>
                                           </p:stCondLst>
@@ -8175,7 +8248,7 @@
                                     </p:set>
                                     <p:anim calcmode="lin" valueType="num">
                                       <p:cBhvr additive="base">
-                                        <p:cTn id="55" dur="500" fill="hold"/>
+                                        <p:cTn id="59" dur="500" fill="hold"/>
                                         <p:tgtEl>
                                           <p:spTgt spid="43"/>
                                         </p:tgtEl>
@@ -8198,7 +8271,7 @@
                                     </p:anim>
                                     <p:anim calcmode="lin" valueType="num">
                                       <p:cBhvr additive="base">
-                                        <p:cTn id="56" dur="500" fill="hold"/>
+                                        <p:cTn id="60" dur="500" fill="hold"/>
                                         <p:tgtEl>
                                           <p:spTgt spid="43"/>
                                         </p:tgtEl>
@@ -8433,15 +8506,7 @@
                   <a:schemeClr val="bg1"/>
                 </a:solidFill>
               </a:rPr>
-              <a:t>的特性，通过判断</a:t>
-            </a:r>
-            <a:r>
-              <a:rPr lang="zh-CN" altLang="en-US" dirty="0" smtClean="0">
-                <a:solidFill>
-                  <a:schemeClr val="bg1"/>
-                </a:solidFill>
-              </a:rPr>
-              <a:t>概率是否大于</a:t>
+              <a:t>的特性，通过判断概率是否大于</a:t>
             </a:r>
             <a:r>
               <a:rPr lang="en-US" altLang="zh-CN" dirty="0" smtClean="0">
@@ -8746,11 +8811,6 @@
               </a:rPr>
               <a:t>开始，种群的数量非常少，繁殖的速度会比较慢。随着数量的增加，繁殖速度越来越快，然后，会因为食物不足，有天敌出现等原因，增速开始下降，最后稳定在一个范围内。</a:t>
             </a:r>
-            <a:endParaRPr lang="zh-CN" altLang="en-US" dirty="0">
-              <a:solidFill>
-                <a:schemeClr val="bg1"/>
-              </a:solidFill>
-            </a:endParaRPr>
           </a:p>
         </p:txBody>
       </p:sp>
@@ -13416,11 +13476,6 @@
               </a:rPr>
               <a:t>很重要，因为训练模型的过程就是优化代价函数的过程</a:t>
             </a:r>
-            <a:endParaRPr lang="zh-CN" altLang="en-US" dirty="0">
-              <a:solidFill>
-                <a:schemeClr val="bg1"/>
-              </a:solidFill>
-            </a:endParaRPr>
           </a:p>
         </p:txBody>
       </p:sp>
@@ -14459,11 +14514,6 @@
               </a:rPr>
               <a:t>：</a:t>
             </a:r>
-            <a:endParaRPr lang="zh-CN" altLang="en-US" dirty="0">
-              <a:solidFill>
-                <a:schemeClr val="bg1"/>
-              </a:solidFill>
-            </a:endParaRPr>
           </a:p>
         </p:txBody>
       </p:sp>
@@ -14713,11 +14763,6 @@
               </a:rPr>
               <a:t>分类问题的单个样本的偏差值可以写成：</a:t>
             </a:r>
-            <a:endParaRPr lang="zh-CN" altLang="en-US" dirty="0">
-              <a:solidFill>
-                <a:schemeClr val="bg1"/>
-              </a:solidFill>
-            </a:endParaRPr>
           </a:p>
         </p:txBody>
       </p:sp>
@@ -14775,11 +14820,6 @@
               </a:rPr>
               <a:t>于是，推导出分类问题的消耗函数：</a:t>
             </a:r>
-            <a:endParaRPr lang="zh-CN" altLang="en-US" dirty="0">
-              <a:solidFill>
-                <a:schemeClr val="bg1"/>
-              </a:solidFill>
-            </a:endParaRPr>
           </a:p>
         </p:txBody>
       </p:sp>
